--- a/PyLadies Remote/Data-Structures-and-Algorithms-using-Python/Data Structures and Algorithms using Python.pptx
+++ b/PyLadies Remote/Data-Structures-and-Algorithms-using-Python/Data Structures and Algorithms using Python.pptx
@@ -8,13 +8,18 @@
     <p:sldId id="256" r:id="rId2"/>
     <p:sldId id="265" r:id="rId3"/>
     <p:sldId id="269" r:id="rId4"/>
-    <p:sldId id="270" r:id="rId5"/>
-    <p:sldId id="271" r:id="rId6"/>
-    <p:sldId id="268" r:id="rId7"/>
-    <p:sldId id="272" r:id="rId8"/>
-    <p:sldId id="273" r:id="rId9"/>
-    <p:sldId id="274" r:id="rId10"/>
-    <p:sldId id="275" r:id="rId11"/>
+    <p:sldId id="276" r:id="rId5"/>
+    <p:sldId id="277" r:id="rId6"/>
+    <p:sldId id="278" r:id="rId7"/>
+    <p:sldId id="270" r:id="rId8"/>
+    <p:sldId id="271" r:id="rId9"/>
+    <p:sldId id="280" r:id="rId10"/>
+    <p:sldId id="268" r:id="rId11"/>
+    <p:sldId id="272" r:id="rId12"/>
+    <p:sldId id="273" r:id="rId13"/>
+    <p:sldId id="274" r:id="rId14"/>
+    <p:sldId id="279" r:id="rId15"/>
+    <p:sldId id="275" r:id="rId16"/>
   </p:sldIdLst>
   <p:sldSz cx="12192000" cy="6858000"/>
   <p:notesSz cx="6858000" cy="9144000"/>
@@ -252,7 +257,7 @@
           <a:p>
             <a:fld id="{093A5B8B-FE66-4897-9ABC-A7281865AF63}" type="datetimeFigureOut">
               <a:rPr lang="en-US" smtClean="0"/>
-              <a:t>9/16/2016</a:t>
+              <a:t>9/24/2016</a:t>
             </a:fld>
             <a:endParaRPr lang="en-US"/>
           </a:p>
@@ -422,7 +427,7 @@
           <a:p>
             <a:fld id="{093A5B8B-FE66-4897-9ABC-A7281865AF63}" type="datetimeFigureOut">
               <a:rPr lang="en-US" smtClean="0"/>
-              <a:t>9/16/2016</a:t>
+              <a:t>9/24/2016</a:t>
             </a:fld>
             <a:endParaRPr lang="en-US"/>
           </a:p>
@@ -602,7 +607,7 @@
           <a:p>
             <a:fld id="{093A5B8B-FE66-4897-9ABC-A7281865AF63}" type="datetimeFigureOut">
               <a:rPr lang="en-US" smtClean="0"/>
-              <a:t>9/16/2016</a:t>
+              <a:t>9/24/2016</a:t>
             </a:fld>
             <a:endParaRPr lang="en-US"/>
           </a:p>
@@ -772,7 +777,7 @@
           <a:p>
             <a:fld id="{093A5B8B-FE66-4897-9ABC-A7281865AF63}" type="datetimeFigureOut">
               <a:rPr lang="en-US" smtClean="0"/>
-              <a:t>9/16/2016</a:t>
+              <a:t>9/24/2016</a:t>
             </a:fld>
             <a:endParaRPr lang="en-US"/>
           </a:p>
@@ -1018,7 +1023,7 @@
           <a:p>
             <a:fld id="{093A5B8B-FE66-4897-9ABC-A7281865AF63}" type="datetimeFigureOut">
               <a:rPr lang="en-US" smtClean="0"/>
-              <a:t>9/16/2016</a:t>
+              <a:t>9/24/2016</a:t>
             </a:fld>
             <a:endParaRPr lang="en-US"/>
           </a:p>
@@ -1250,7 +1255,7 @@
           <a:p>
             <a:fld id="{093A5B8B-FE66-4897-9ABC-A7281865AF63}" type="datetimeFigureOut">
               <a:rPr lang="en-US" smtClean="0"/>
-              <a:t>9/16/2016</a:t>
+              <a:t>9/24/2016</a:t>
             </a:fld>
             <a:endParaRPr lang="en-US"/>
           </a:p>
@@ -1617,7 +1622,7 @@
           <a:p>
             <a:fld id="{093A5B8B-FE66-4897-9ABC-A7281865AF63}" type="datetimeFigureOut">
               <a:rPr lang="en-US" smtClean="0"/>
-              <a:t>9/16/2016</a:t>
+              <a:t>9/24/2016</a:t>
             </a:fld>
             <a:endParaRPr lang="en-US"/>
           </a:p>
@@ -1735,7 +1740,7 @@
           <a:p>
             <a:fld id="{093A5B8B-FE66-4897-9ABC-A7281865AF63}" type="datetimeFigureOut">
               <a:rPr lang="en-US" smtClean="0"/>
-              <a:t>9/16/2016</a:t>
+              <a:t>9/24/2016</a:t>
             </a:fld>
             <a:endParaRPr lang="en-US"/>
           </a:p>
@@ -1830,7 +1835,7 @@
           <a:p>
             <a:fld id="{093A5B8B-FE66-4897-9ABC-A7281865AF63}" type="datetimeFigureOut">
               <a:rPr lang="en-US" smtClean="0"/>
-              <a:t>9/16/2016</a:t>
+              <a:t>9/24/2016</a:t>
             </a:fld>
             <a:endParaRPr lang="en-US"/>
           </a:p>
@@ -2107,7 +2112,7 @@
           <a:p>
             <a:fld id="{093A5B8B-FE66-4897-9ABC-A7281865AF63}" type="datetimeFigureOut">
               <a:rPr lang="en-US" smtClean="0"/>
-              <a:t>9/16/2016</a:t>
+              <a:t>9/24/2016</a:t>
             </a:fld>
             <a:endParaRPr lang="en-US"/>
           </a:p>
@@ -2360,7 +2365,7 @@
           <a:p>
             <a:fld id="{093A5B8B-FE66-4897-9ABC-A7281865AF63}" type="datetimeFigureOut">
               <a:rPr lang="en-US" smtClean="0"/>
-              <a:t>9/16/2016</a:t>
+              <a:t>9/24/2016</a:t>
             </a:fld>
             <a:endParaRPr lang="en-US"/>
           </a:p>
@@ -2573,7 +2578,7 @@
           <a:p>
             <a:fld id="{093A5B8B-FE66-4897-9ABC-A7281865AF63}" type="datetimeFigureOut">
               <a:rPr lang="en-US" smtClean="0"/>
-              <a:t>9/16/2016</a:t>
+              <a:t>9/24/2016</a:t>
             </a:fld>
             <a:endParaRPr lang="en-US"/>
           </a:p>
@@ -3080,6 +3085,670 @@
             <a:spLocks noGrp="1"/>
           </p:cNvSpPr>
           <p:nvPr>
+            <p:ph type="ctrTitle"/>
+          </p:nvPr>
+        </p:nvSpPr>
+        <p:spPr/>
+        <p:txBody>
+          <a:bodyPr>
+            <a:normAutofit fontScale="90000"/>
+          </a:bodyPr>
+          <a:lstStyle/>
+          <a:p>
+            <a:r>
+              <a:rPr lang="en-US" dirty="0" smtClean="0"/>
+              <a:t/>
+            </a:r>
+            <a:br>
+              <a:rPr lang="en-US" dirty="0" smtClean="0"/>
+            </a:br>
+            <a:r>
+              <a:rPr lang="en-US" dirty="0"/>
+              <a:t/>
+            </a:r>
+            <a:br>
+              <a:rPr lang="en-US" dirty="0"/>
+            </a:br>
+            <a:r>
+              <a:rPr lang="en-US" dirty="0" smtClean="0"/>
+              <a:t>Algorithms</a:t>
+            </a:r>
+            <a:endParaRPr lang="en-US" dirty="0"/>
+          </a:p>
+        </p:txBody>
+      </p:sp>
+      <p:sp>
+        <p:nvSpPr>
+          <p:cNvPr id="3" name="Subtitle 2"/>
+          <p:cNvSpPr>
+            <a:spLocks noGrp="1"/>
+          </p:cNvSpPr>
+          <p:nvPr>
+            <p:ph type="subTitle" idx="1"/>
+          </p:nvPr>
+        </p:nvSpPr>
+        <p:spPr/>
+        <p:txBody>
+          <a:bodyPr/>
+          <a:lstStyle/>
+          <a:p>
+            <a:endParaRPr lang="en-US" dirty="0" smtClean="0"/>
+          </a:p>
+        </p:txBody>
+      </p:sp>
+    </p:spTree>
+    <p:extLst>
+      <p:ext uri="{BB962C8B-B14F-4D97-AF65-F5344CB8AC3E}">
+        <p14:creationId xmlns:p14="http://schemas.microsoft.com/office/powerpoint/2010/main" val="1083705492"/>
+      </p:ext>
+    </p:extLst>
+  </p:cSld>
+  <p:clrMapOvr>
+    <a:masterClrMapping/>
+  </p:clrMapOvr>
+  <p:timing>
+    <p:tnLst>
+      <p:par>
+        <p:cTn id="1" dur="indefinite" restart="never" nodeType="tmRoot"/>
+      </p:par>
+    </p:tnLst>
+  </p:timing>
+</p:sld>
+</file>
+
+<file path=ppt/slides/slide11.xml><?xml version="1.0" encoding="utf-8"?>
+<p:sld xmlns:a="http://schemas.openxmlformats.org/drawingml/2006/main" xmlns:r="http://schemas.openxmlformats.org/officeDocument/2006/relationships" xmlns:p="http://schemas.openxmlformats.org/presentationml/2006/main">
+  <p:cSld>
+    <p:spTree>
+      <p:nvGrpSpPr>
+        <p:cNvPr id="1" name=""/>
+        <p:cNvGrpSpPr/>
+        <p:nvPr/>
+      </p:nvGrpSpPr>
+      <p:grpSpPr>
+        <a:xfrm>
+          <a:off x="0" y="0"/>
+          <a:ext cx="0" cy="0"/>
+          <a:chOff x="0" y="0"/>
+          <a:chExt cx="0" cy="0"/>
+        </a:xfrm>
+      </p:grpSpPr>
+      <p:sp>
+        <p:nvSpPr>
+          <p:cNvPr id="2" name="Title 1"/>
+          <p:cNvSpPr>
+            <a:spLocks noGrp="1"/>
+          </p:cNvSpPr>
+          <p:nvPr>
+            <p:ph type="ctrTitle"/>
+          </p:nvPr>
+        </p:nvSpPr>
+        <p:spPr/>
+        <p:txBody>
+          <a:bodyPr>
+            <a:normAutofit/>
+          </a:bodyPr>
+          <a:lstStyle/>
+          <a:p>
+            <a:r>
+              <a:rPr lang="en-US" dirty="0" smtClean="0"/>
+              <a:t>Breadth First Search</a:t>
+            </a:r>
+            <a:endParaRPr lang="en-US" dirty="0"/>
+          </a:p>
+        </p:txBody>
+      </p:sp>
+      <p:sp>
+        <p:nvSpPr>
+          <p:cNvPr id="3" name="Subtitle 2"/>
+          <p:cNvSpPr>
+            <a:spLocks noGrp="1"/>
+          </p:cNvSpPr>
+          <p:nvPr>
+            <p:ph type="subTitle" idx="1"/>
+          </p:nvPr>
+        </p:nvSpPr>
+        <p:spPr/>
+        <p:txBody>
+          <a:bodyPr/>
+          <a:lstStyle/>
+          <a:p>
+            <a:endParaRPr lang="en-US" dirty="0" smtClean="0"/>
+          </a:p>
+        </p:txBody>
+      </p:sp>
+    </p:spTree>
+    <p:extLst>
+      <p:ext uri="{BB962C8B-B14F-4D97-AF65-F5344CB8AC3E}">
+        <p14:creationId xmlns:p14="http://schemas.microsoft.com/office/powerpoint/2010/main" val="2986280512"/>
+      </p:ext>
+    </p:extLst>
+  </p:cSld>
+  <p:clrMapOvr>
+    <a:masterClrMapping/>
+  </p:clrMapOvr>
+  <p:timing>
+    <p:tnLst>
+      <p:par>
+        <p:cTn id="1" dur="indefinite" restart="never" nodeType="tmRoot"/>
+      </p:par>
+    </p:tnLst>
+  </p:timing>
+</p:sld>
+</file>
+
+<file path=ppt/slides/slide12.xml><?xml version="1.0" encoding="utf-8"?>
+<p:sld xmlns:a="http://schemas.openxmlformats.org/drawingml/2006/main" xmlns:r="http://schemas.openxmlformats.org/officeDocument/2006/relationships" xmlns:p="http://schemas.openxmlformats.org/presentationml/2006/main">
+  <p:cSld>
+    <p:spTree>
+      <p:nvGrpSpPr>
+        <p:cNvPr id="1" name=""/>
+        <p:cNvGrpSpPr/>
+        <p:nvPr/>
+      </p:nvGrpSpPr>
+      <p:grpSpPr>
+        <a:xfrm>
+          <a:off x="0" y="0"/>
+          <a:ext cx="0" cy="0"/>
+          <a:chOff x="0" y="0"/>
+          <a:chExt cx="0" cy="0"/>
+        </a:xfrm>
+      </p:grpSpPr>
+      <p:sp>
+        <p:nvSpPr>
+          <p:cNvPr id="2" name="Title 1"/>
+          <p:cNvSpPr>
+            <a:spLocks noGrp="1"/>
+          </p:cNvSpPr>
+          <p:nvPr>
+            <p:ph type="ctrTitle"/>
+          </p:nvPr>
+        </p:nvSpPr>
+        <p:spPr/>
+        <p:txBody>
+          <a:bodyPr>
+            <a:normAutofit/>
+          </a:bodyPr>
+          <a:lstStyle/>
+          <a:p>
+            <a:r>
+              <a:rPr lang="en-US" dirty="0" smtClean="0"/>
+              <a:t>Sieve of Eratosthenes</a:t>
+            </a:r>
+            <a:endParaRPr lang="en-US" dirty="0"/>
+          </a:p>
+        </p:txBody>
+      </p:sp>
+      <p:sp>
+        <p:nvSpPr>
+          <p:cNvPr id="3" name="Subtitle 2"/>
+          <p:cNvSpPr>
+            <a:spLocks noGrp="1"/>
+          </p:cNvSpPr>
+          <p:nvPr>
+            <p:ph type="subTitle" idx="1"/>
+          </p:nvPr>
+        </p:nvSpPr>
+        <p:spPr/>
+        <p:txBody>
+          <a:bodyPr/>
+          <a:lstStyle/>
+          <a:p>
+            <a:endParaRPr lang="en-US" dirty="0" smtClean="0"/>
+          </a:p>
+        </p:txBody>
+      </p:sp>
+    </p:spTree>
+    <p:extLst>
+      <p:ext uri="{BB962C8B-B14F-4D97-AF65-F5344CB8AC3E}">
+        <p14:creationId xmlns:p14="http://schemas.microsoft.com/office/powerpoint/2010/main" val="759851893"/>
+      </p:ext>
+    </p:extLst>
+  </p:cSld>
+  <p:clrMapOvr>
+    <a:masterClrMapping/>
+  </p:clrMapOvr>
+  <p:timing>
+    <p:tnLst>
+      <p:par>
+        <p:cTn id="1" dur="indefinite" restart="never" nodeType="tmRoot"/>
+      </p:par>
+    </p:tnLst>
+  </p:timing>
+</p:sld>
+</file>
+
+<file path=ppt/slides/slide13.xml><?xml version="1.0" encoding="utf-8"?>
+<p:sld xmlns:a="http://schemas.openxmlformats.org/drawingml/2006/main" xmlns:r="http://schemas.openxmlformats.org/officeDocument/2006/relationships" xmlns:p="http://schemas.openxmlformats.org/presentationml/2006/main">
+  <p:cSld>
+    <p:spTree>
+      <p:nvGrpSpPr>
+        <p:cNvPr id="1" name=""/>
+        <p:cNvGrpSpPr/>
+        <p:nvPr/>
+      </p:nvGrpSpPr>
+      <p:grpSpPr>
+        <a:xfrm>
+          <a:off x="0" y="0"/>
+          <a:ext cx="0" cy="0"/>
+          <a:chOff x="0" y="0"/>
+          <a:chExt cx="0" cy="0"/>
+        </a:xfrm>
+      </p:grpSpPr>
+      <p:sp>
+        <p:nvSpPr>
+          <p:cNvPr id="2" name="Title 1"/>
+          <p:cNvSpPr>
+            <a:spLocks noGrp="1"/>
+          </p:cNvSpPr>
+          <p:nvPr>
+            <p:ph type="ctrTitle"/>
+          </p:nvPr>
+        </p:nvSpPr>
+        <p:spPr>
+          <a:xfrm>
+            <a:off x="1515836" y="593954"/>
+            <a:ext cx="9144000" cy="1112383"/>
+          </a:xfrm>
+        </p:spPr>
+        <p:txBody>
+          <a:bodyPr>
+            <a:normAutofit/>
+          </a:bodyPr>
+          <a:lstStyle/>
+          <a:p>
+            <a:r>
+              <a:rPr lang="en-US" dirty="0" smtClean="0"/>
+              <a:t>Heap Sort</a:t>
+            </a:r>
+            <a:endParaRPr lang="en-US" dirty="0"/>
+          </a:p>
+        </p:txBody>
+      </p:sp>
+      <p:sp>
+        <p:nvSpPr>
+          <p:cNvPr id="3" name="Subtitle 2"/>
+          <p:cNvSpPr>
+            <a:spLocks noGrp="1"/>
+          </p:cNvSpPr>
+          <p:nvPr>
+            <p:ph type="subTitle" idx="1"/>
+          </p:nvPr>
+        </p:nvSpPr>
+        <p:spPr>
+          <a:xfrm>
+            <a:off x="1515836" y="2728460"/>
+            <a:ext cx="9144000" cy="1655762"/>
+          </a:xfrm>
+        </p:spPr>
+        <p:txBody>
+          <a:bodyPr/>
+          <a:lstStyle/>
+          <a:p>
+            <a:endParaRPr lang="en-US" dirty="0" smtClean="0"/>
+          </a:p>
+        </p:txBody>
+      </p:sp>
+      <p:pic>
+        <p:nvPicPr>
+          <p:cNvPr id="4" name="Picture 3"/>
+          <p:cNvPicPr>
+            <a:picLocks noChangeAspect="1"/>
+          </p:cNvPicPr>
+          <p:nvPr/>
+        </p:nvPicPr>
+        <p:blipFill>
+          <a:blip r:embed="rId2">
+            <a:extLst>
+              <a:ext uri="{28A0092B-C50C-407E-A947-70E740481C1C}">
+                <a14:useLocalDpi xmlns:a14="http://schemas.microsoft.com/office/drawing/2010/main" val="0"/>
+              </a:ext>
+            </a:extLst>
+          </a:blip>
+          <a:stretch>
+            <a:fillRect/>
+          </a:stretch>
+        </p:blipFill>
+        <p:spPr>
+          <a:xfrm>
+            <a:off x="4061383" y="2790144"/>
+            <a:ext cx="3670195" cy="2403326"/>
+          </a:xfrm>
+          <a:prstGeom prst="rect">
+            <a:avLst/>
+          </a:prstGeom>
+        </p:spPr>
+      </p:pic>
+    </p:spTree>
+    <p:extLst>
+      <p:ext uri="{BB962C8B-B14F-4D97-AF65-F5344CB8AC3E}">
+        <p14:creationId xmlns:p14="http://schemas.microsoft.com/office/powerpoint/2010/main" val="847330301"/>
+      </p:ext>
+    </p:extLst>
+  </p:cSld>
+  <p:clrMapOvr>
+    <a:masterClrMapping/>
+  </p:clrMapOvr>
+  <p:timing>
+    <p:tnLst>
+      <p:par>
+        <p:cTn id="1" dur="indefinite" restart="never" nodeType="tmRoot"/>
+      </p:par>
+    </p:tnLst>
+  </p:timing>
+</p:sld>
+</file>
+
+<file path=ppt/slides/slide14.xml><?xml version="1.0" encoding="utf-8"?>
+<p:sld xmlns:a="http://schemas.openxmlformats.org/drawingml/2006/main" xmlns:r="http://schemas.openxmlformats.org/officeDocument/2006/relationships" xmlns:p="http://schemas.openxmlformats.org/presentationml/2006/main">
+  <p:cSld>
+    <p:spTree>
+      <p:nvGrpSpPr>
+        <p:cNvPr id="1" name=""/>
+        <p:cNvGrpSpPr/>
+        <p:nvPr/>
+      </p:nvGrpSpPr>
+      <p:grpSpPr>
+        <a:xfrm>
+          <a:off x="0" y="0"/>
+          <a:ext cx="0" cy="0"/>
+          <a:chOff x="0" y="0"/>
+          <a:chExt cx="0" cy="0"/>
+        </a:xfrm>
+      </p:grpSpPr>
+      <p:sp>
+        <p:nvSpPr>
+          <p:cNvPr id="2" name="Title 1"/>
+          <p:cNvSpPr>
+            <a:spLocks noGrp="1"/>
+          </p:cNvSpPr>
+          <p:nvPr>
+            <p:ph type="title"/>
+          </p:nvPr>
+        </p:nvSpPr>
+        <p:spPr>
+          <a:xfrm>
+            <a:off x="4071257" y="218167"/>
+            <a:ext cx="10515600" cy="1325563"/>
+          </a:xfrm>
+        </p:spPr>
+        <p:txBody>
+          <a:bodyPr/>
+          <a:lstStyle/>
+          <a:p>
+            <a:r>
+              <a:rPr lang="en-US" dirty="0" err="1" smtClean="0"/>
+              <a:t>Heapify</a:t>
+            </a:r>
+            <a:endParaRPr lang="en-US" dirty="0"/>
+          </a:p>
+        </p:txBody>
+      </p:sp>
+      <p:sp>
+        <p:nvSpPr>
+          <p:cNvPr id="3" name="Content Placeholder 2"/>
+          <p:cNvSpPr>
+            <a:spLocks noGrp="1"/>
+          </p:cNvSpPr>
+          <p:nvPr>
+            <p:ph idx="1"/>
+          </p:nvPr>
+        </p:nvSpPr>
+        <p:spPr>
+          <a:xfrm>
+            <a:off x="514004" y="1404851"/>
+            <a:ext cx="11677996" cy="4880178"/>
+          </a:xfrm>
+        </p:spPr>
+        <p:txBody>
+          <a:bodyPr>
+            <a:noAutofit/>
+          </a:bodyPr>
+          <a:lstStyle/>
+          <a:p>
+            <a:pPr marL="0" indent="0">
+              <a:buNone/>
+            </a:pPr>
+            <a:r>
+              <a:rPr lang="en-US" sz="1400" dirty="0" smtClean="0"/>
+              <a:t>Input </a:t>
+            </a:r>
+            <a:r>
+              <a:rPr lang="en-US" sz="1400" dirty="0"/>
+              <a:t>data: 4, 10, 3, 5, </a:t>
+            </a:r>
+            <a:r>
+              <a:rPr lang="en-US" sz="1400" dirty="0" smtClean="0"/>
+              <a:t>1</a:t>
+            </a:r>
+          </a:p>
+          <a:p>
+            <a:pPr marL="0" indent="0">
+              <a:buNone/>
+            </a:pPr>
+            <a:r>
+              <a:rPr lang="en-US" sz="1400" dirty="0"/>
+              <a:t> </a:t>
+            </a:r>
+            <a:r>
+              <a:rPr lang="en-US" sz="1400" dirty="0" smtClean="0"/>
+              <a:t>                 4(0) </a:t>
+            </a:r>
+          </a:p>
+          <a:p>
+            <a:pPr marL="0" indent="0">
+              <a:buNone/>
+            </a:pPr>
+            <a:r>
+              <a:rPr lang="en-US" sz="1400" dirty="0" smtClean="0"/>
+              <a:t>         10(1)            3(2)</a:t>
+            </a:r>
+          </a:p>
+          <a:p>
+            <a:pPr marL="0" indent="0">
+              <a:buNone/>
+            </a:pPr>
+            <a:r>
+              <a:rPr lang="en-US" sz="1400" dirty="0" smtClean="0"/>
+              <a:t>  5(3)          1(4)</a:t>
+            </a:r>
+          </a:p>
+          <a:p>
+            <a:pPr marL="0" indent="0">
+              <a:buNone/>
+            </a:pPr>
+            <a:endParaRPr lang="en-US" sz="1400" dirty="0"/>
+          </a:p>
+          <a:p>
+            <a:pPr marL="0" indent="0">
+              <a:buNone/>
+            </a:pPr>
+            <a:r>
+              <a:rPr lang="en-US" sz="1400" dirty="0"/>
+              <a:t>Applying </a:t>
+            </a:r>
+            <a:r>
+              <a:rPr lang="en-US" sz="1400" dirty="0" err="1"/>
+              <a:t>heapify</a:t>
+            </a:r>
+            <a:r>
+              <a:rPr lang="en-US" sz="1400" dirty="0"/>
+              <a:t> procedure to index 1</a:t>
+            </a:r>
+            <a:r>
+              <a:rPr lang="en-US" sz="1400" dirty="0" smtClean="0"/>
+              <a:t>:</a:t>
+            </a:r>
+          </a:p>
+          <a:p>
+            <a:pPr marL="0" indent="0">
+              <a:buNone/>
+            </a:pPr>
+            <a:r>
+              <a:rPr lang="en-US" sz="1400" dirty="0"/>
+              <a:t> </a:t>
+            </a:r>
+            <a:r>
+              <a:rPr lang="en-US" sz="1400" dirty="0" smtClean="0"/>
+              <a:t>                    4(0</a:t>
+            </a:r>
+            <a:r>
+              <a:rPr lang="en-US" sz="1400" dirty="0"/>
+              <a:t>) </a:t>
+            </a:r>
+          </a:p>
+          <a:p>
+            <a:pPr marL="0" indent="0">
+              <a:buNone/>
+            </a:pPr>
+            <a:r>
+              <a:rPr lang="en-US" sz="1400" dirty="0"/>
+              <a:t>         10(1)            3(2)</a:t>
+            </a:r>
+          </a:p>
+          <a:p>
+            <a:pPr marL="0" indent="0">
+              <a:buNone/>
+            </a:pPr>
+            <a:r>
+              <a:rPr lang="en-US" sz="1400" dirty="0"/>
+              <a:t>  5(3)          1(4)</a:t>
+            </a:r>
+          </a:p>
+          <a:p>
+            <a:pPr marL="0" indent="0">
+              <a:buNone/>
+            </a:pPr>
+            <a:r>
+              <a:rPr lang="en-US" sz="1400" dirty="0" smtClean="0"/>
+              <a:t> </a:t>
+            </a:r>
+            <a:endParaRPr lang="en-US" sz="1400" dirty="0"/>
+          </a:p>
+          <a:p>
+            <a:pPr marL="0" indent="0">
+              <a:buNone/>
+            </a:pPr>
+            <a:r>
+              <a:rPr lang="en-US" sz="1400" dirty="0"/>
+              <a:t>Applying </a:t>
+            </a:r>
+            <a:r>
+              <a:rPr lang="en-US" sz="1400" dirty="0" err="1"/>
+              <a:t>heapify</a:t>
+            </a:r>
+            <a:r>
+              <a:rPr lang="en-US" sz="1400" dirty="0"/>
+              <a:t> procedure to index 0</a:t>
+            </a:r>
+            <a:r>
+              <a:rPr lang="en-US" sz="1400" dirty="0" smtClean="0"/>
+              <a:t>:</a:t>
+            </a:r>
+          </a:p>
+          <a:p>
+            <a:pPr marL="0" indent="0">
+              <a:buNone/>
+            </a:pPr>
+            <a:r>
+              <a:rPr lang="en-US" sz="1400" dirty="0"/>
+              <a:t> </a:t>
+            </a:r>
+            <a:r>
+              <a:rPr lang="en-US" sz="1400" dirty="0" smtClean="0"/>
+              <a:t>                     10(0</a:t>
+            </a:r>
+            <a:r>
+              <a:rPr lang="en-US" sz="1400" dirty="0"/>
+              <a:t>) </a:t>
+            </a:r>
+          </a:p>
+          <a:p>
+            <a:pPr marL="0" indent="0">
+              <a:buNone/>
+            </a:pPr>
+            <a:r>
+              <a:rPr lang="en-US" sz="1400" dirty="0"/>
+              <a:t>         5</a:t>
+            </a:r>
+            <a:r>
+              <a:rPr lang="en-US" sz="1400" dirty="0" smtClean="0"/>
+              <a:t>(1</a:t>
+            </a:r>
+            <a:r>
+              <a:rPr lang="en-US" sz="1400" dirty="0"/>
+              <a:t>)            3(2)</a:t>
+            </a:r>
+          </a:p>
+          <a:p>
+            <a:pPr marL="0" indent="0">
+              <a:buNone/>
+            </a:pPr>
+            <a:r>
+              <a:rPr lang="en-US" sz="1400" dirty="0"/>
+              <a:t>  </a:t>
+            </a:r>
+            <a:r>
+              <a:rPr lang="en-US" sz="1400" dirty="0" smtClean="0"/>
+              <a:t>4(3</a:t>
+            </a:r>
+            <a:r>
+              <a:rPr lang="en-US" sz="1400" dirty="0"/>
+              <a:t>)          1(4)              </a:t>
+            </a:r>
+          </a:p>
+          <a:p>
+            <a:pPr marL="0" indent="0">
+              <a:buNone/>
+            </a:pPr>
+            <a:endParaRPr lang="en-US" sz="1400" dirty="0" smtClean="0"/>
+          </a:p>
+        </p:txBody>
+      </p:sp>
+    </p:spTree>
+    <p:extLst>
+      <p:ext uri="{BB962C8B-B14F-4D97-AF65-F5344CB8AC3E}">
+        <p14:creationId xmlns:p14="http://schemas.microsoft.com/office/powerpoint/2010/main" val="3651715102"/>
+      </p:ext>
+    </p:extLst>
+  </p:cSld>
+  <p:clrMapOvr>
+    <a:masterClrMapping/>
+  </p:clrMapOvr>
+  <p:timing>
+    <p:tnLst>
+      <p:par>
+        <p:cTn id="1" dur="indefinite" restart="never" nodeType="tmRoot"/>
+      </p:par>
+    </p:tnLst>
+  </p:timing>
+</p:sld>
+</file>
+
+<file path=ppt/slides/slide15.xml><?xml version="1.0" encoding="utf-8"?>
+<p:sld xmlns:a="http://schemas.openxmlformats.org/drawingml/2006/main" xmlns:r="http://schemas.openxmlformats.org/officeDocument/2006/relationships" xmlns:p="http://schemas.openxmlformats.org/presentationml/2006/main">
+  <p:cSld>
+    <p:spTree>
+      <p:nvGrpSpPr>
+        <p:cNvPr id="1" name=""/>
+        <p:cNvGrpSpPr/>
+        <p:nvPr/>
+      </p:nvGrpSpPr>
+      <p:grpSpPr>
+        <a:xfrm>
+          <a:off x="0" y="0"/>
+          <a:ext cx="0" cy="0"/>
+          <a:chOff x="0" y="0"/>
+          <a:chExt cx="0" cy="0"/>
+        </a:xfrm>
+      </p:grpSpPr>
+      <p:sp>
+        <p:nvSpPr>
+          <p:cNvPr id="2" name="Title 1"/>
+          <p:cNvSpPr>
+            <a:spLocks noGrp="1"/>
+          </p:cNvSpPr>
+          <p:nvPr>
             <p:ph type="title"/>
           </p:nvPr>
         </p:nvSpPr>
@@ -3130,6 +3799,13 @@
   <p:clrMapOvr>
     <a:masterClrMapping/>
   </p:clrMapOvr>
+  <p:timing>
+    <p:tnLst>
+      <p:par>
+        <p:cTn id="1" dur="indefinite" restart="never" nodeType="tmRoot"/>
+      </p:par>
+    </p:tnLst>
+  </p:timing>
 </p:sld>
 </file>
 
@@ -3255,7 +3931,12 @@
             <p:ph type="ctrTitle"/>
           </p:nvPr>
         </p:nvSpPr>
-        <p:spPr/>
+        <p:spPr>
+          <a:xfrm>
+            <a:off x="1524000" y="248785"/>
+            <a:ext cx="9144000" cy="2387600"/>
+          </a:xfrm>
+        </p:spPr>
         <p:txBody>
           <a:bodyPr>
             <a:normAutofit/>
@@ -3289,6 +3970,36 @@
           </a:p>
         </p:txBody>
       </p:sp>
+      <p:pic>
+        <p:nvPicPr>
+          <p:cNvPr id="4" name="Picture 3"/>
+          <p:cNvPicPr>
+            <a:picLocks noChangeAspect="1"/>
+          </p:cNvPicPr>
+          <p:nvPr/>
+        </p:nvPicPr>
+        <p:blipFill>
+          <a:blip r:embed="rId2">
+            <a:extLst>
+              <a:ext uri="{28A0092B-C50C-407E-A947-70E740481C1C}">
+                <a14:useLocalDpi xmlns:a14="http://schemas.microsoft.com/office/drawing/2010/main" val="0"/>
+              </a:ext>
+            </a:extLst>
+          </a:blip>
+          <a:stretch>
+            <a:fillRect/>
+          </a:stretch>
+        </p:blipFill>
+        <p:spPr>
+          <a:xfrm>
+            <a:off x="2498271" y="3726684"/>
+            <a:ext cx="6490608" cy="1457637"/>
+          </a:xfrm>
+          <a:prstGeom prst="rect">
+            <a:avLst/>
+          </a:prstGeom>
+        </p:spPr>
+      </p:pic>
     </p:spTree>
     <p:extLst>
       <p:ext uri="{BB962C8B-B14F-4D97-AF65-F5344CB8AC3E}">
@@ -3333,47 +4044,51 @@
             <a:spLocks noGrp="1"/>
           </p:cNvSpPr>
           <p:nvPr>
-            <p:ph type="ctrTitle"/>
-          </p:nvPr>
-        </p:nvSpPr>
-        <p:spPr/>
-        <p:txBody>
-          <a:bodyPr>
-            <a:normAutofit/>
-          </a:bodyPr>
-          <a:lstStyle/>
-          <a:p>
-            <a:r>
-              <a:rPr lang="en-US" dirty="0" smtClean="0"/>
-              <a:t>Undirected Graph</a:t>
-            </a:r>
-            <a:endParaRPr lang="en-US" dirty="0"/>
-          </a:p>
-        </p:txBody>
-      </p:sp>
-      <p:sp>
-        <p:nvSpPr>
-          <p:cNvPr id="3" name="Subtitle 2"/>
-          <p:cNvSpPr>
-            <a:spLocks noGrp="1"/>
-          </p:cNvSpPr>
-          <p:nvPr>
-            <p:ph type="subTitle" idx="1"/>
-          </p:nvPr>
-        </p:nvSpPr>
-        <p:spPr/>
-        <p:txBody>
-          <a:bodyPr/>
-          <a:lstStyle/>
-          <a:p>
-            <a:endParaRPr lang="en-US" dirty="0" smtClean="0"/>
-          </a:p>
-        </p:txBody>
-      </p:sp>
+            <p:ph type="title"/>
+          </p:nvPr>
+        </p:nvSpPr>
+        <p:spPr/>
+        <p:txBody>
+          <a:bodyPr/>
+          <a:lstStyle/>
+          <a:p>
+            <a:endParaRPr lang="en-US"/>
+          </a:p>
+        </p:txBody>
+      </p:sp>
+      <p:pic>
+        <p:nvPicPr>
+          <p:cNvPr id="4" name="Content Placeholder 3"/>
+          <p:cNvPicPr>
+            <a:picLocks noGrp="1" noChangeAspect="1"/>
+          </p:cNvPicPr>
+          <p:nvPr>
+            <p:ph idx="1"/>
+          </p:nvPr>
+        </p:nvPicPr>
+        <p:blipFill>
+          <a:blip r:embed="rId2">
+            <a:extLst>
+              <a:ext uri="{28A0092B-C50C-407E-A947-70E740481C1C}">
+                <a14:useLocalDpi xmlns:a14="http://schemas.microsoft.com/office/drawing/2010/main" val="0"/>
+              </a:ext>
+            </a:extLst>
+          </a:blip>
+          <a:stretch>
+            <a:fillRect/>
+          </a:stretch>
+        </p:blipFill>
+        <p:spPr>
+          <a:xfrm>
+            <a:off x="1608365" y="1402427"/>
+            <a:ext cx="8262257" cy="4428867"/>
+          </a:xfrm>
+        </p:spPr>
+      </p:pic>
     </p:spTree>
     <p:extLst>
       <p:ext uri="{BB962C8B-B14F-4D97-AF65-F5344CB8AC3E}">
-        <p14:creationId xmlns:p14="http://schemas.microsoft.com/office/powerpoint/2010/main" val="1304410926"/>
+        <p14:creationId xmlns:p14="http://schemas.microsoft.com/office/powerpoint/2010/main" val="1873542823"/>
       </p:ext>
     </p:extLst>
   </p:cSld>
@@ -3414,60 +4129,57 @@
             <a:spLocks noGrp="1"/>
           </p:cNvSpPr>
           <p:nvPr>
-            <p:ph type="ctrTitle"/>
-          </p:nvPr>
-        </p:nvSpPr>
-        <p:spPr/>
-        <p:txBody>
-          <a:bodyPr>
-            <a:normAutofit/>
-          </a:bodyPr>
-          <a:lstStyle/>
-          <a:p>
-            <a:r>
-              <a:rPr lang="en-US" dirty="0" smtClean="0"/>
-              <a:t>Union Find</a:t>
-            </a:r>
-            <a:endParaRPr lang="en-US" dirty="0"/>
-          </a:p>
-        </p:txBody>
-      </p:sp>
-      <p:sp>
-        <p:nvSpPr>
-          <p:cNvPr id="3" name="Subtitle 2"/>
-          <p:cNvSpPr>
-            <a:spLocks noGrp="1"/>
-          </p:cNvSpPr>
-          <p:nvPr>
-            <p:ph type="subTitle" idx="1"/>
-          </p:nvPr>
-        </p:nvSpPr>
-        <p:spPr/>
-        <p:txBody>
-          <a:bodyPr/>
-          <a:lstStyle/>
-          <a:p>
-            <a:endParaRPr lang="en-US" dirty="0" smtClean="0"/>
-          </a:p>
-        </p:txBody>
-      </p:sp>
+            <p:ph type="title"/>
+          </p:nvPr>
+        </p:nvSpPr>
+        <p:spPr/>
+        <p:txBody>
+          <a:bodyPr/>
+          <a:lstStyle/>
+          <a:p>
+            <a:endParaRPr lang="en-US"/>
+          </a:p>
+        </p:txBody>
+      </p:sp>
+      <p:pic>
+        <p:nvPicPr>
+          <p:cNvPr id="4" name="Content Placeholder 3"/>
+          <p:cNvPicPr>
+            <a:picLocks noGrp="1" noChangeAspect="1"/>
+          </p:cNvPicPr>
+          <p:nvPr>
+            <p:ph idx="1"/>
+          </p:nvPr>
+        </p:nvPicPr>
+        <p:blipFill>
+          <a:blip r:embed="rId2">
+            <a:extLst>
+              <a:ext uri="{28A0092B-C50C-407E-A947-70E740481C1C}">
+                <a14:useLocalDpi xmlns:a14="http://schemas.microsoft.com/office/drawing/2010/main" val="0"/>
+              </a:ext>
+            </a:extLst>
+          </a:blip>
+          <a:stretch>
+            <a:fillRect/>
+          </a:stretch>
+        </p:blipFill>
+        <p:spPr>
+          <a:xfrm>
+            <a:off x="1336318" y="2303010"/>
+            <a:ext cx="8811887" cy="2301648"/>
+          </a:xfrm>
+        </p:spPr>
+      </p:pic>
     </p:spTree>
     <p:extLst>
       <p:ext uri="{BB962C8B-B14F-4D97-AF65-F5344CB8AC3E}">
-        <p14:creationId xmlns:p14="http://schemas.microsoft.com/office/powerpoint/2010/main" val="3788386257"/>
+        <p14:creationId xmlns:p14="http://schemas.microsoft.com/office/powerpoint/2010/main" val="1205728122"/>
       </p:ext>
     </p:extLst>
   </p:cSld>
   <p:clrMapOvr>
     <a:masterClrMapping/>
   </p:clrMapOvr>
-  <p:timing>
-    <p:tnLst>
-      <p:par>
-        <p:cTn id="1" dur="indefinite" restart="never" nodeType="tmRoot"/>
-      </p:par>
-    </p:tnLst>
-  </p:timing>
 </p:sld>
 </file>
 
@@ -3495,61 +4207,51 @@
             <a:spLocks noGrp="1"/>
           </p:cNvSpPr>
           <p:nvPr>
-            <p:ph type="ctrTitle"/>
-          </p:nvPr>
-        </p:nvSpPr>
-        <p:spPr/>
-        <p:txBody>
-          <a:bodyPr>
-            <a:normAutofit fontScale="90000"/>
-          </a:bodyPr>
-          <a:lstStyle/>
-          <a:p>
-            <a:r>
-              <a:rPr lang="en-US" dirty="0" smtClean="0"/>
-              <a:t/>
-            </a:r>
-            <a:br>
-              <a:rPr lang="en-US" dirty="0" smtClean="0"/>
-            </a:br>
-            <a:r>
-              <a:rPr lang="en-US" dirty="0"/>
-              <a:t/>
-            </a:r>
-            <a:br>
-              <a:rPr lang="en-US" dirty="0"/>
-            </a:br>
-            <a:r>
-              <a:rPr lang="en-US" dirty="0" smtClean="0"/>
-              <a:t>Algorithms</a:t>
-            </a:r>
-            <a:endParaRPr lang="en-US" dirty="0"/>
-          </a:p>
-        </p:txBody>
-      </p:sp>
-      <p:sp>
-        <p:nvSpPr>
-          <p:cNvPr id="3" name="Subtitle 2"/>
-          <p:cNvSpPr>
-            <a:spLocks noGrp="1"/>
-          </p:cNvSpPr>
-          <p:nvPr>
-            <p:ph type="subTitle" idx="1"/>
-          </p:nvPr>
-        </p:nvSpPr>
-        <p:spPr/>
-        <p:txBody>
-          <a:bodyPr/>
-          <a:lstStyle/>
-          <a:p>
-            <a:endParaRPr lang="en-US" dirty="0" smtClean="0"/>
-          </a:p>
-        </p:txBody>
-      </p:sp>
+            <p:ph type="title"/>
+          </p:nvPr>
+        </p:nvSpPr>
+        <p:spPr/>
+        <p:txBody>
+          <a:bodyPr/>
+          <a:lstStyle/>
+          <a:p>
+            <a:endParaRPr lang="en-US"/>
+          </a:p>
+        </p:txBody>
+      </p:sp>
+      <p:pic>
+        <p:nvPicPr>
+          <p:cNvPr id="5" name="Content Placeholder 4"/>
+          <p:cNvPicPr>
+            <a:picLocks noGrp="1" noChangeAspect="1"/>
+          </p:cNvPicPr>
+          <p:nvPr>
+            <p:ph idx="1"/>
+          </p:nvPr>
+        </p:nvPicPr>
+        <p:blipFill>
+          <a:blip r:embed="rId2">
+            <a:extLst>
+              <a:ext uri="{28A0092B-C50C-407E-A947-70E740481C1C}">
+                <a14:useLocalDpi xmlns:a14="http://schemas.microsoft.com/office/drawing/2010/main" val="0"/>
+              </a:ext>
+            </a:extLst>
+          </a:blip>
+          <a:stretch>
+            <a:fillRect/>
+          </a:stretch>
+        </p:blipFill>
+        <p:spPr>
+          <a:xfrm>
+            <a:off x="2457450" y="2747759"/>
+            <a:ext cx="6792686" cy="1669119"/>
+          </a:xfrm>
+        </p:spPr>
+      </p:pic>
     </p:spTree>
     <p:extLst>
       <p:ext uri="{BB962C8B-B14F-4D97-AF65-F5344CB8AC3E}">
-        <p14:creationId xmlns:p14="http://schemas.microsoft.com/office/powerpoint/2010/main" val="1083705492"/>
+        <p14:creationId xmlns:p14="http://schemas.microsoft.com/office/powerpoint/2010/main" val="3537833540"/>
       </p:ext>
     </p:extLst>
   </p:cSld>
@@ -3593,7 +4295,12 @@
             <p:ph type="ctrTitle"/>
           </p:nvPr>
         </p:nvSpPr>
-        <p:spPr/>
+        <p:spPr>
+          <a:xfrm>
+            <a:off x="1581150" y="248784"/>
+            <a:ext cx="9144000" cy="1653495"/>
+          </a:xfrm>
+        </p:spPr>
         <p:txBody>
           <a:bodyPr>
             <a:normAutofit/>
@@ -3602,7 +4309,7 @@
           <a:p>
             <a:r>
               <a:rPr lang="en-US" dirty="0" smtClean="0"/>
-              <a:t>Breadth First Search</a:t>
+              <a:t>Undirected Graph</a:t>
             </a:r>
             <a:endParaRPr lang="en-US" dirty="0"/>
           </a:p>
@@ -3627,10 +4334,40 @@
           </a:p>
         </p:txBody>
       </p:sp>
+      <p:pic>
+        <p:nvPicPr>
+          <p:cNvPr id="4" name="Picture 3"/>
+          <p:cNvPicPr>
+            <a:picLocks noChangeAspect="1"/>
+          </p:cNvPicPr>
+          <p:nvPr/>
+        </p:nvPicPr>
+        <p:blipFill>
+          <a:blip r:embed="rId2">
+            <a:extLst>
+              <a:ext uri="{28A0092B-C50C-407E-A947-70E740481C1C}">
+                <a14:useLocalDpi xmlns:a14="http://schemas.microsoft.com/office/drawing/2010/main" val="0"/>
+              </a:ext>
+            </a:extLst>
+          </a:blip>
+          <a:stretch>
+            <a:fillRect/>
+          </a:stretch>
+        </p:blipFill>
+        <p:spPr>
+          <a:xfrm>
+            <a:off x="4193721" y="3436191"/>
+            <a:ext cx="3804557" cy="1987455"/>
+          </a:xfrm>
+          <a:prstGeom prst="rect">
+            <a:avLst/>
+          </a:prstGeom>
+        </p:spPr>
+      </p:pic>
     </p:spTree>
     <p:extLst>
       <p:ext uri="{BB962C8B-B14F-4D97-AF65-F5344CB8AC3E}">
-        <p14:creationId xmlns:p14="http://schemas.microsoft.com/office/powerpoint/2010/main" val="2986280512"/>
+        <p14:creationId xmlns:p14="http://schemas.microsoft.com/office/powerpoint/2010/main" val="1304410926"/>
       </p:ext>
     </p:extLst>
   </p:cSld>
@@ -3683,7 +4420,7 @@
           <a:p>
             <a:r>
               <a:rPr lang="en-US" dirty="0" smtClean="0"/>
-              <a:t>Sieve of Eratosthenes</a:t>
+              <a:t>Union Find</a:t>
             </a:r>
             <a:endParaRPr lang="en-US" dirty="0"/>
           </a:p>
@@ -3711,7 +4448,7 @@
     </p:spTree>
     <p:extLst>
       <p:ext uri="{BB962C8B-B14F-4D97-AF65-F5344CB8AC3E}">
-        <p14:creationId xmlns:p14="http://schemas.microsoft.com/office/powerpoint/2010/main" val="759851893"/>
+        <p14:creationId xmlns:p14="http://schemas.microsoft.com/office/powerpoint/2010/main" val="3788386257"/>
       </p:ext>
     </p:extLst>
   </p:cSld>
@@ -3752,60 +4489,57 @@
             <a:spLocks noGrp="1"/>
           </p:cNvSpPr>
           <p:nvPr>
-            <p:ph type="ctrTitle"/>
-          </p:nvPr>
-        </p:nvSpPr>
-        <p:spPr/>
-        <p:txBody>
-          <a:bodyPr>
-            <a:normAutofit/>
-          </a:bodyPr>
-          <a:lstStyle/>
-          <a:p>
-            <a:r>
-              <a:rPr lang="en-US" dirty="0" smtClean="0"/>
-              <a:t>Heap Sort</a:t>
-            </a:r>
-            <a:endParaRPr lang="en-US" dirty="0"/>
-          </a:p>
-        </p:txBody>
-      </p:sp>
-      <p:sp>
-        <p:nvSpPr>
-          <p:cNvPr id="3" name="Subtitle 2"/>
-          <p:cNvSpPr>
-            <a:spLocks noGrp="1"/>
-          </p:cNvSpPr>
-          <p:nvPr>
-            <p:ph type="subTitle" idx="1"/>
-          </p:nvPr>
-        </p:nvSpPr>
-        <p:spPr/>
-        <p:txBody>
-          <a:bodyPr/>
-          <a:lstStyle/>
-          <a:p>
-            <a:endParaRPr lang="en-US" dirty="0" smtClean="0"/>
-          </a:p>
-        </p:txBody>
-      </p:sp>
+            <p:ph type="title"/>
+          </p:nvPr>
+        </p:nvSpPr>
+        <p:spPr/>
+        <p:txBody>
+          <a:bodyPr/>
+          <a:lstStyle/>
+          <a:p>
+            <a:endParaRPr lang="en-US"/>
+          </a:p>
+        </p:txBody>
+      </p:sp>
+      <p:pic>
+        <p:nvPicPr>
+          <p:cNvPr id="4" name="Content Placeholder 3"/>
+          <p:cNvPicPr>
+            <a:picLocks noGrp="1" noChangeAspect="1"/>
+          </p:cNvPicPr>
+          <p:nvPr>
+            <p:ph idx="1"/>
+          </p:nvPr>
+        </p:nvPicPr>
+        <p:blipFill>
+          <a:blip r:embed="rId2">
+            <a:extLst>
+              <a:ext uri="{28A0092B-C50C-407E-A947-70E740481C1C}">
+                <a14:useLocalDpi xmlns:a14="http://schemas.microsoft.com/office/drawing/2010/main" val="0"/>
+              </a:ext>
+            </a:extLst>
+          </a:blip>
+          <a:stretch>
+            <a:fillRect/>
+          </a:stretch>
+        </p:blipFill>
+        <p:spPr>
+          <a:xfrm>
+            <a:off x="1917926" y="2024743"/>
+            <a:ext cx="8018010" cy="3902528"/>
+          </a:xfrm>
+        </p:spPr>
+      </p:pic>
     </p:spTree>
     <p:extLst>
       <p:ext uri="{BB962C8B-B14F-4D97-AF65-F5344CB8AC3E}">
-        <p14:creationId xmlns:p14="http://schemas.microsoft.com/office/powerpoint/2010/main" val="847330301"/>
+        <p14:creationId xmlns:p14="http://schemas.microsoft.com/office/powerpoint/2010/main" val="806967086"/>
       </p:ext>
     </p:extLst>
   </p:cSld>
   <p:clrMapOvr>
     <a:masterClrMapping/>
   </p:clrMapOvr>
-  <p:timing>
-    <p:tnLst>
-      <p:par>
-        <p:cTn id="1" dur="indefinite" restart="never" nodeType="tmRoot"/>
-      </p:par>
-    </p:tnLst>
-  </p:timing>
 </p:sld>
 </file>
 
